--- a/Braxton.pptx
+++ b/Braxton.pptx
@@ -3707,7 +3707,15 @@
           <a:p>
             <a:r>
               <a:rPr lang="en-US" dirty="0" smtClean="0"/>
-              <a:t>Where everything is computing in floating point arithmetic</a:t>
+              <a:t>Where everything </a:t>
+            </a:r>
+            <a:r>
+              <a:rPr lang="en-US" smtClean="0"/>
+              <a:t>is computed </a:t>
+            </a:r>
+            <a:r>
+              <a:rPr lang="en-US" dirty="0" smtClean="0"/>
+              <a:t>in floating point arithmetic</a:t>
             </a:r>
           </a:p>
           <a:p>
@@ -3746,7 +3754,7 @@
           <a:graphicData uri="http://schemas.openxmlformats.org/presentationml/2006/ole">
             <mc:AlternateContent xmlns:mc="http://schemas.openxmlformats.org/markup-compatibility/2006">
               <mc:Choice xmlns:v="urn:schemas-microsoft-com:vml" Requires="v">
-                <p:oleObj spid="_x0000_s1035" name="Equation" r:id="rId3" imgW="2159000" imgH="203200" progId="Equation.3">
+                <p:oleObj spid="_x0000_s1038" name="Equation" r:id="rId3" imgW="2159000" imgH="203200" progId="Equation.3">
                   <p:embed/>
                 </p:oleObj>
               </mc:Choice>
@@ -3803,7 +3811,7 @@
           <a:graphicData uri="http://schemas.openxmlformats.org/presentationml/2006/ole">
             <mc:AlternateContent xmlns:mc="http://schemas.openxmlformats.org/markup-compatibility/2006">
               <mc:Choice xmlns:v="urn:schemas-microsoft-com:vml" Requires="v">
-                <p:oleObj spid="_x0000_s1036" name="Equation" r:id="rId5" imgW="2159000" imgH="241300" progId="Equation.3">
+                <p:oleObj spid="_x0000_s1039" name="Equation" r:id="rId5" imgW="2159000" imgH="241300" progId="Equation.3">
                   <p:embed/>
                 </p:oleObj>
               </mc:Choice>
@@ -3860,7 +3868,7 @@
           <a:graphicData uri="http://schemas.openxmlformats.org/presentationml/2006/ole">
             <mc:AlternateContent xmlns:mc="http://schemas.openxmlformats.org/markup-compatibility/2006">
               <mc:Choice xmlns:v="urn:schemas-microsoft-com:vml" Requires="v">
-                <p:oleObj spid="_x0000_s1037" name="Equation" r:id="rId7" imgW="863600" imgH="228600" progId="Equation.3">
+                <p:oleObj spid="_x0000_s1040" name="Equation" r:id="rId7" imgW="863600" imgH="228600" progId="Equation.3">
                   <p:embed/>
                 </p:oleObj>
               </mc:Choice>
@@ -4361,11 +4369,7 @@
           <a:p>
             <a:r>
               <a:rPr lang="en-US" dirty="0" smtClean="0"/>
-              <a:t>Since the local methods compute their results using FP interval arithmetic, we can be sure that new branch bounds are below the </a:t>
-            </a:r>
-            <a:r>
-              <a:rPr lang="en-US" smtClean="0"/>
-              <a:t>global maximum </a:t>
+              <a:t>Since the local methods compute their results using FP interval arithmetic, we can be sure that new branch bounds are below the global maximum </a:t>
             </a:r>
             <a:endParaRPr lang="en-US" dirty="0"/>
           </a:p>
